--- a/project/pbs_project/presentation.pptx
+++ b/project/pbs_project/presentation.pptx
@@ -112,6 +112,22 @@
       </a:defRPr>
     </a:lvl9pPr>
   </p:defaultTextStyle>
+  <p:extLst>
+    <p:ext uri="{EFAFB233-063F-42B5-8137-9DF3F51BA10A}">
+      <p15:sldGuideLst xmlns:p15="http://schemas.microsoft.com/office/powerpoint/2012/main">
+        <p15:guide id="1" orient="horz" pos="2160">
+          <p15:clr>
+            <a:srgbClr val="A4A3A4"/>
+          </p15:clr>
+        </p15:guide>
+        <p15:guide id="2" pos="2880">
+          <p15:clr>
+            <a:srgbClr val="A4A3A4"/>
+          </p15:clr>
+        </p15:guide>
+      </p15:sldGuideLst>
+    </p:ext>
+  </p:extLst>
 </p:presentation>
 </file>
 
@@ -263,35 +279,35 @@
           <a:p>
             <a:pPr lvl="0"/>
             <a:r>
-              <a:rPr lang="de-DE" smtClean="0"/>
+              <a:rPr lang="de-DE"/>
               <a:t>Textmasterformate durch Klicken bearbeiten</a:t>
             </a:r>
           </a:p>
           <a:p>
             <a:pPr lvl="1"/>
             <a:r>
-              <a:rPr lang="de-DE" smtClean="0"/>
+              <a:rPr lang="de-DE"/>
               <a:t>Zweite Ebene</a:t>
             </a:r>
           </a:p>
           <a:p>
             <a:pPr lvl="2"/>
             <a:r>
-              <a:rPr lang="de-DE" smtClean="0"/>
+              <a:rPr lang="de-DE"/>
               <a:t>Dritte Ebene</a:t>
             </a:r>
           </a:p>
           <a:p>
             <a:pPr lvl="3"/>
             <a:r>
-              <a:rPr lang="de-DE" smtClean="0"/>
+              <a:rPr lang="de-DE"/>
               <a:t>Vierte Ebene</a:t>
             </a:r>
           </a:p>
           <a:p>
             <a:pPr lvl="4"/>
             <a:r>
-              <a:rPr lang="de-DE" smtClean="0"/>
+              <a:rPr lang="de-DE"/>
               <a:t>Fünfte Ebene</a:t>
             </a:r>
             <a:endParaRPr lang="de-CH"/>
@@ -590,7 +606,7 @@
           <a:lstStyle/>
           <a:p>
             <a:r>
-              <a:rPr lang="de-CH" sz="1200" kern="1200" dirty="0" smtClean="0">
+              <a:rPr lang="de-CH" sz="1200" kern="1200" dirty="0">
                 <a:solidFill>
                   <a:schemeClr val="tx1"/>
                 </a:solidFill>
@@ -601,7 +617,7 @@
               <a:t>Iterative Dynamics </a:t>
             </a:r>
             <a:r>
-              <a:rPr lang="de-CH" sz="1200" kern="1200" dirty="0" err="1" smtClean="0">
+              <a:rPr lang="de-CH" sz="1200" kern="1200" dirty="0" err="1">
                 <a:solidFill>
                   <a:schemeClr val="tx1"/>
                 </a:solidFill>
@@ -612,7 +628,7 @@
               <a:t>with</a:t>
             </a:r>
             <a:r>
-              <a:rPr lang="de-CH" sz="1200" kern="1200" dirty="0" smtClean="0">
+              <a:rPr lang="de-CH" sz="1200" kern="1200" dirty="0">
                 <a:solidFill>
                   <a:schemeClr val="tx1"/>
                 </a:solidFill>
@@ -623,7 +639,7 @@
               <a:t> Temporal </a:t>
             </a:r>
             <a:r>
-              <a:rPr lang="de-CH" sz="1200" kern="1200" dirty="0" err="1" smtClean="0">
+              <a:rPr lang="de-CH" sz="1200" kern="1200" dirty="0" err="1">
                 <a:solidFill>
                   <a:schemeClr val="tx1"/>
                 </a:solidFill>
@@ -633,7 +649,7 @@
               </a:rPr>
               <a:t>Coherence</a:t>
             </a:r>
-            <a:endParaRPr lang="de-CH" sz="1200" kern="1200" dirty="0" smtClean="0">
+            <a:endParaRPr lang="de-CH" sz="1200" kern="1200" dirty="0">
               <a:solidFill>
                 <a:schemeClr val="tx1"/>
               </a:solidFill>
@@ -644,7 +660,7 @@
           </a:p>
           <a:p>
             <a:r>
-              <a:rPr lang="de-CH" sz="1200" kern="1200" dirty="0" smtClean="0">
+              <a:rPr lang="de-CH" sz="1200" kern="1200" dirty="0">
                 <a:solidFill>
                   <a:schemeClr val="tx1"/>
                 </a:solidFill>
@@ -655,7 +671,7 @@
               <a:t>Erin </a:t>
             </a:r>
             <a:r>
-              <a:rPr lang="de-CH" sz="1200" kern="1200" dirty="0" err="1" smtClean="0">
+              <a:rPr lang="de-CH" sz="1200" kern="1200" dirty="0" err="1">
                 <a:solidFill>
                   <a:schemeClr val="tx1"/>
                 </a:solidFill>
@@ -665,7 +681,7 @@
               </a:rPr>
               <a:t>Catto</a:t>
             </a:r>
-            <a:endParaRPr lang="de-CH" sz="1200" kern="1200" dirty="0" smtClean="0">
+            <a:endParaRPr lang="de-CH" sz="1200" kern="1200" dirty="0">
               <a:solidFill>
                 <a:schemeClr val="tx1"/>
               </a:solidFill>
@@ -676,7 +692,7 @@
           </a:p>
           <a:p>
             <a:r>
-              <a:rPr lang="de-CH" sz="1200" kern="1200" dirty="0" smtClean="0">
+              <a:rPr lang="de-CH" sz="1200" kern="1200" dirty="0">
                 <a:solidFill>
                   <a:schemeClr val="tx1"/>
                 </a:solidFill>
@@ -689,7 +705,7 @@
           </a:p>
           <a:p>
             <a:r>
-              <a:rPr lang="de-CH" sz="1200" kern="1200" dirty="0" smtClean="0">
+              <a:rPr lang="de-CH" sz="1200" kern="1200" dirty="0">
                 <a:solidFill>
                   <a:schemeClr val="tx1"/>
                 </a:solidFill>
@@ -700,7 +716,7 @@
               <a:t>Menlo Park, </a:t>
             </a:r>
             <a:r>
-              <a:rPr lang="de-CH" sz="1200" kern="1200" dirty="0" err="1" smtClean="0">
+              <a:rPr lang="de-CH" sz="1200" kern="1200" dirty="0" err="1">
                 <a:solidFill>
                   <a:schemeClr val="tx1"/>
                 </a:solidFill>
@@ -710,7 +726,7 @@
               </a:rPr>
               <a:t>California</a:t>
             </a:r>
-            <a:endParaRPr lang="de-CH" sz="1200" kern="1200" dirty="0" smtClean="0">
+            <a:endParaRPr lang="de-CH" sz="1200" kern="1200" dirty="0">
               <a:solidFill>
                 <a:schemeClr val="tx1"/>
               </a:solidFill>
@@ -721,7 +737,7 @@
           </a:p>
           <a:p>
             <a:r>
-              <a:rPr lang="de-CH" sz="1200" kern="1200" dirty="0" err="1" smtClean="0">
+              <a:rPr lang="de-CH" sz="1200" kern="1200" dirty="0" err="1">
                 <a:solidFill>
                   <a:schemeClr val="tx1"/>
                 </a:solidFill>
@@ -732,7 +748,7 @@
               <a:t>February</a:t>
             </a:r>
             <a:r>
-              <a:rPr lang="de-CH" sz="1200" kern="1200" dirty="0" smtClean="0">
+              <a:rPr lang="de-CH" sz="1200" kern="1200" dirty="0">
                 <a:solidFill>
                   <a:schemeClr val="tx1"/>
                 </a:solidFill>
@@ -744,62 +760,62 @@
             </a:r>
           </a:p>
           <a:p>
-            <a:endParaRPr lang="de-CH" dirty="0" smtClean="0"/>
-          </a:p>
-          <a:p>
-            <a:r>
-              <a:rPr lang="de-CH" dirty="0" err="1" smtClean="0"/>
+            <a:endParaRPr lang="de-CH" dirty="0"/>
+          </a:p>
+          <a:p>
+            <a:r>
+              <a:rPr lang="de-CH" dirty="0" err="1"/>
               <a:t>Describe</a:t>
             </a:r>
             <a:r>
-              <a:rPr lang="de-CH" dirty="0" smtClean="0"/>
+              <a:rPr lang="de-CH" dirty="0"/>
               <a:t> </a:t>
             </a:r>
             <a:r>
-              <a:rPr lang="de-CH" dirty="0" err="1" smtClean="0"/>
+              <a:rPr lang="de-CH" dirty="0" err="1"/>
               <a:t>constraint</a:t>
             </a:r>
-            <a:endParaRPr lang="de-CH" dirty="0" smtClean="0"/>
-          </a:p>
-          <a:p>
-            <a:r>
-              <a:rPr lang="de-CH" dirty="0" err="1" smtClean="0"/>
+            <a:endParaRPr lang="de-CH" dirty="0"/>
+          </a:p>
+          <a:p>
+            <a:r>
+              <a:rPr lang="de-CH" dirty="0" err="1"/>
               <a:t>Calculate</a:t>
             </a:r>
             <a:r>
-              <a:rPr lang="de-CH" baseline="0" dirty="0" smtClean="0"/>
+              <a:rPr lang="de-CH" baseline="0" dirty="0"/>
               <a:t> derivative </a:t>
             </a:r>
           </a:p>
           <a:p>
             <a:r>
-              <a:rPr lang="de-CH" baseline="0" dirty="0" smtClean="0"/>
+              <a:rPr lang="de-CH" baseline="0" dirty="0"/>
               <a:t>Separate </a:t>
             </a:r>
             <a:r>
-              <a:rPr lang="de-CH" baseline="0" dirty="0" err="1" smtClean="0"/>
+              <a:rPr lang="de-CH" baseline="0" dirty="0" err="1"/>
               <a:t>velocities</a:t>
             </a:r>
             <a:r>
-              <a:rPr lang="de-CH" baseline="0" dirty="0" smtClean="0"/>
+              <a:rPr lang="de-CH" baseline="0" dirty="0"/>
               <a:t>-&gt;</a:t>
             </a:r>
             <a:r>
-              <a:rPr lang="de-CH" baseline="0" dirty="0" err="1" smtClean="0"/>
+              <a:rPr lang="de-CH" baseline="0" dirty="0" err="1"/>
               <a:t>get</a:t>
             </a:r>
             <a:r>
-              <a:rPr lang="de-CH" baseline="0" dirty="0" smtClean="0"/>
+              <a:rPr lang="de-CH" baseline="0" dirty="0"/>
               <a:t> </a:t>
             </a:r>
             <a:r>
-              <a:rPr lang="de-CH" baseline="0" dirty="0" err="1" smtClean="0"/>
+              <a:rPr lang="de-CH" baseline="0" dirty="0" err="1"/>
               <a:t>jacobian</a:t>
             </a:r>
-            <a:endParaRPr lang="de-CH" baseline="0" dirty="0" smtClean="0"/>
-          </a:p>
-          <a:p>
-            <a:endParaRPr lang="de-CH" baseline="0" dirty="0" smtClean="0"/>
+            <a:endParaRPr lang="de-CH" baseline="0" dirty="0"/>
+          </a:p>
+          <a:p>
+            <a:endParaRPr lang="de-CH" baseline="0" dirty="0"/>
           </a:p>
         </p:txBody>
       </p:sp>
@@ -872,7 +888,7 @@
           <a:lstStyle/>
           <a:p>
             <a:r>
-              <a:rPr lang="de-DE" smtClean="0"/>
+              <a:rPr lang="de-DE"/>
               <a:t>Titelmasterformat durch Klicken bearbeiten</a:t>
             </a:r>
             <a:endParaRPr lang="de-CH"/>
@@ -991,7 +1007,7 @@
           </a:lstStyle>
           <a:p>
             <a:r>
-              <a:rPr lang="de-DE" smtClean="0"/>
+              <a:rPr lang="de-DE"/>
               <a:t>Formatvorlage des Untertitelmasters durch Klicken bearbeiten</a:t>
             </a:r>
             <a:endParaRPr lang="de-CH"/>
@@ -1104,7 +1120,7 @@
           <a:lstStyle/>
           <a:p>
             <a:r>
-              <a:rPr lang="de-DE" smtClean="0"/>
+              <a:rPr lang="de-DE"/>
               <a:t>Titelmasterformat durch Klicken bearbeiten</a:t>
             </a:r>
             <a:endParaRPr lang="de-CH"/>
@@ -1128,35 +1144,35 @@
           <a:p>
             <a:pPr lvl="0"/>
             <a:r>
-              <a:rPr lang="de-DE" smtClean="0"/>
+              <a:rPr lang="de-DE"/>
               <a:t>Textmasterformate durch Klicken bearbeiten</a:t>
             </a:r>
           </a:p>
           <a:p>
             <a:pPr lvl="1"/>
             <a:r>
-              <a:rPr lang="de-DE" smtClean="0"/>
+              <a:rPr lang="de-DE"/>
               <a:t>Zweite Ebene</a:t>
             </a:r>
           </a:p>
           <a:p>
             <a:pPr lvl="2"/>
             <a:r>
-              <a:rPr lang="de-DE" smtClean="0"/>
+              <a:rPr lang="de-DE"/>
               <a:t>Dritte Ebene</a:t>
             </a:r>
           </a:p>
           <a:p>
             <a:pPr lvl="3"/>
             <a:r>
-              <a:rPr lang="de-DE" smtClean="0"/>
+              <a:rPr lang="de-DE"/>
               <a:t>Vierte Ebene</a:t>
             </a:r>
           </a:p>
           <a:p>
             <a:pPr lvl="4"/>
             <a:r>
-              <a:rPr lang="de-DE" smtClean="0"/>
+              <a:rPr lang="de-DE"/>
               <a:t>Fünfte Ebene</a:t>
             </a:r>
             <a:endParaRPr lang="de-CH"/>
@@ -1274,7 +1290,7 @@
           <a:lstStyle/>
           <a:p>
             <a:r>
-              <a:rPr lang="de-DE" smtClean="0"/>
+              <a:rPr lang="de-DE"/>
               <a:t>Titelmasterformat durch Klicken bearbeiten</a:t>
             </a:r>
             <a:endParaRPr lang="de-CH"/>
@@ -1303,35 +1319,35 @@
           <a:p>
             <a:pPr lvl="0"/>
             <a:r>
-              <a:rPr lang="de-DE" smtClean="0"/>
+              <a:rPr lang="de-DE"/>
               <a:t>Textmasterformate durch Klicken bearbeiten</a:t>
             </a:r>
           </a:p>
           <a:p>
             <a:pPr lvl="1"/>
             <a:r>
-              <a:rPr lang="de-DE" smtClean="0"/>
+              <a:rPr lang="de-DE"/>
               <a:t>Zweite Ebene</a:t>
             </a:r>
           </a:p>
           <a:p>
             <a:pPr lvl="2"/>
             <a:r>
-              <a:rPr lang="de-DE" smtClean="0"/>
+              <a:rPr lang="de-DE"/>
               <a:t>Dritte Ebene</a:t>
             </a:r>
           </a:p>
           <a:p>
             <a:pPr lvl="3"/>
             <a:r>
-              <a:rPr lang="de-DE" smtClean="0"/>
+              <a:rPr lang="de-DE"/>
               <a:t>Vierte Ebene</a:t>
             </a:r>
           </a:p>
           <a:p>
             <a:pPr lvl="4"/>
             <a:r>
-              <a:rPr lang="de-DE" smtClean="0"/>
+              <a:rPr lang="de-DE"/>
               <a:t>Fünfte Ebene</a:t>
             </a:r>
             <a:endParaRPr lang="de-CH"/>
@@ -1444,7 +1460,7 @@
           <a:lstStyle/>
           <a:p>
             <a:r>
-              <a:rPr lang="de-DE" smtClean="0"/>
+              <a:rPr lang="de-DE"/>
               <a:t>Titelmasterformat durch Klicken bearbeiten</a:t>
             </a:r>
             <a:endParaRPr lang="de-CH"/>
@@ -1468,35 +1484,35 @@
           <a:p>
             <a:pPr lvl="0"/>
             <a:r>
-              <a:rPr lang="de-DE" smtClean="0"/>
+              <a:rPr lang="de-DE"/>
               <a:t>Textmasterformate durch Klicken bearbeiten</a:t>
             </a:r>
           </a:p>
           <a:p>
             <a:pPr lvl="1"/>
             <a:r>
-              <a:rPr lang="de-DE" smtClean="0"/>
+              <a:rPr lang="de-DE"/>
               <a:t>Zweite Ebene</a:t>
             </a:r>
           </a:p>
           <a:p>
             <a:pPr lvl="2"/>
             <a:r>
-              <a:rPr lang="de-DE" smtClean="0"/>
+              <a:rPr lang="de-DE"/>
               <a:t>Dritte Ebene</a:t>
             </a:r>
           </a:p>
           <a:p>
             <a:pPr lvl="3"/>
             <a:r>
-              <a:rPr lang="de-DE" smtClean="0"/>
+              <a:rPr lang="de-DE"/>
               <a:t>Vierte Ebene</a:t>
             </a:r>
           </a:p>
           <a:p>
             <a:pPr lvl="4"/>
             <a:r>
-              <a:rPr lang="de-DE" smtClean="0"/>
+              <a:rPr lang="de-DE"/>
               <a:t>Fünfte Ebene</a:t>
             </a:r>
             <a:endParaRPr lang="de-CH"/>
@@ -1618,7 +1634,7 @@
           </a:lstStyle>
           <a:p>
             <a:r>
-              <a:rPr lang="de-DE" smtClean="0"/>
+              <a:rPr lang="de-DE"/>
               <a:t>Titelmasterformat durch Klicken bearbeiten</a:t>
             </a:r>
             <a:endParaRPr lang="de-CH"/>
@@ -1738,7 +1754,7 @@
           <a:p>
             <a:pPr lvl="0"/>
             <a:r>
-              <a:rPr lang="de-DE" smtClean="0"/>
+              <a:rPr lang="de-DE"/>
               <a:t>Textmasterformate durch Klicken bearbeiten</a:t>
             </a:r>
           </a:p>
@@ -1850,7 +1866,7 @@
           <a:lstStyle/>
           <a:p>
             <a:r>
-              <a:rPr lang="de-DE" smtClean="0"/>
+              <a:rPr lang="de-DE"/>
               <a:t>Titelmasterformat durch Klicken bearbeiten</a:t>
             </a:r>
             <a:endParaRPr lang="de-CH"/>
@@ -1907,35 +1923,35 @@
           <a:p>
             <a:pPr lvl="0"/>
             <a:r>
-              <a:rPr lang="de-DE" smtClean="0"/>
+              <a:rPr lang="de-DE"/>
               <a:t>Textmasterformate durch Klicken bearbeiten</a:t>
             </a:r>
           </a:p>
           <a:p>
             <a:pPr lvl="1"/>
             <a:r>
-              <a:rPr lang="de-DE" smtClean="0"/>
+              <a:rPr lang="de-DE"/>
               <a:t>Zweite Ebene</a:t>
             </a:r>
           </a:p>
           <a:p>
             <a:pPr lvl="2"/>
             <a:r>
-              <a:rPr lang="de-DE" smtClean="0"/>
+              <a:rPr lang="de-DE"/>
               <a:t>Dritte Ebene</a:t>
             </a:r>
           </a:p>
           <a:p>
             <a:pPr lvl="3"/>
             <a:r>
-              <a:rPr lang="de-DE" smtClean="0"/>
+              <a:rPr lang="de-DE"/>
               <a:t>Vierte Ebene</a:t>
             </a:r>
           </a:p>
           <a:p>
             <a:pPr lvl="4"/>
             <a:r>
-              <a:rPr lang="de-DE" smtClean="0"/>
+              <a:rPr lang="de-DE"/>
               <a:t>Fünfte Ebene</a:t>
             </a:r>
             <a:endParaRPr lang="de-CH"/>
@@ -1992,35 +2008,35 @@
           <a:p>
             <a:pPr lvl="0"/>
             <a:r>
-              <a:rPr lang="de-DE" smtClean="0"/>
+              <a:rPr lang="de-DE"/>
               <a:t>Textmasterformate durch Klicken bearbeiten</a:t>
             </a:r>
           </a:p>
           <a:p>
             <a:pPr lvl="1"/>
             <a:r>
-              <a:rPr lang="de-DE" smtClean="0"/>
+              <a:rPr lang="de-DE"/>
               <a:t>Zweite Ebene</a:t>
             </a:r>
           </a:p>
           <a:p>
             <a:pPr lvl="2"/>
             <a:r>
-              <a:rPr lang="de-DE" smtClean="0"/>
+              <a:rPr lang="de-DE"/>
               <a:t>Dritte Ebene</a:t>
             </a:r>
           </a:p>
           <a:p>
             <a:pPr lvl="3"/>
             <a:r>
-              <a:rPr lang="de-DE" smtClean="0"/>
+              <a:rPr lang="de-DE"/>
               <a:t>Vierte Ebene</a:t>
             </a:r>
           </a:p>
           <a:p>
             <a:pPr lvl="4"/>
             <a:r>
-              <a:rPr lang="de-DE" smtClean="0"/>
+              <a:rPr lang="de-DE"/>
               <a:t>Fünfte Ebene</a:t>
             </a:r>
             <a:endParaRPr lang="de-CH"/>
@@ -2137,7 +2153,7 @@
           </a:lstStyle>
           <a:p>
             <a:r>
-              <a:rPr lang="de-DE" smtClean="0"/>
+              <a:rPr lang="de-DE"/>
               <a:t>Titelmasterformat durch Klicken bearbeiten</a:t>
             </a:r>
             <a:endParaRPr lang="de-CH"/>
@@ -2203,7 +2219,7 @@
           <a:p>
             <a:pPr lvl="0"/>
             <a:r>
-              <a:rPr lang="de-DE" smtClean="0"/>
+              <a:rPr lang="de-DE"/>
               <a:t>Textmasterformate durch Klicken bearbeiten</a:t>
             </a:r>
           </a:p>
@@ -2259,35 +2275,35 @@
           <a:p>
             <a:pPr lvl="0"/>
             <a:r>
-              <a:rPr lang="de-DE" smtClean="0"/>
+              <a:rPr lang="de-DE"/>
               <a:t>Textmasterformate durch Klicken bearbeiten</a:t>
             </a:r>
           </a:p>
           <a:p>
             <a:pPr lvl="1"/>
             <a:r>
-              <a:rPr lang="de-DE" smtClean="0"/>
+              <a:rPr lang="de-DE"/>
               <a:t>Zweite Ebene</a:t>
             </a:r>
           </a:p>
           <a:p>
             <a:pPr lvl="2"/>
             <a:r>
-              <a:rPr lang="de-DE" smtClean="0"/>
+              <a:rPr lang="de-DE"/>
               <a:t>Dritte Ebene</a:t>
             </a:r>
           </a:p>
           <a:p>
             <a:pPr lvl="3"/>
             <a:r>
-              <a:rPr lang="de-DE" smtClean="0"/>
+              <a:rPr lang="de-DE"/>
               <a:t>Vierte Ebene</a:t>
             </a:r>
           </a:p>
           <a:p>
             <a:pPr lvl="4"/>
             <a:r>
-              <a:rPr lang="de-DE" smtClean="0"/>
+              <a:rPr lang="de-DE"/>
               <a:t>Fünfte Ebene</a:t>
             </a:r>
             <a:endParaRPr lang="de-CH"/>
@@ -2353,7 +2369,7 @@
           <a:p>
             <a:pPr lvl="0"/>
             <a:r>
-              <a:rPr lang="de-DE" smtClean="0"/>
+              <a:rPr lang="de-DE"/>
               <a:t>Textmasterformate durch Klicken bearbeiten</a:t>
             </a:r>
           </a:p>
@@ -2409,35 +2425,35 @@
           <a:p>
             <a:pPr lvl="0"/>
             <a:r>
-              <a:rPr lang="de-DE" smtClean="0"/>
+              <a:rPr lang="de-DE"/>
               <a:t>Textmasterformate durch Klicken bearbeiten</a:t>
             </a:r>
           </a:p>
           <a:p>
             <a:pPr lvl="1"/>
             <a:r>
-              <a:rPr lang="de-DE" smtClean="0"/>
+              <a:rPr lang="de-DE"/>
               <a:t>Zweite Ebene</a:t>
             </a:r>
           </a:p>
           <a:p>
             <a:pPr lvl="2"/>
             <a:r>
-              <a:rPr lang="de-DE" smtClean="0"/>
+              <a:rPr lang="de-DE"/>
               <a:t>Dritte Ebene</a:t>
             </a:r>
           </a:p>
           <a:p>
             <a:pPr lvl="3"/>
             <a:r>
-              <a:rPr lang="de-DE" smtClean="0"/>
+              <a:rPr lang="de-DE"/>
               <a:t>Vierte Ebene</a:t>
             </a:r>
           </a:p>
           <a:p>
             <a:pPr lvl="4"/>
             <a:r>
-              <a:rPr lang="de-DE" smtClean="0"/>
+              <a:rPr lang="de-DE"/>
               <a:t>Fünfte Ebene</a:t>
             </a:r>
             <a:endParaRPr lang="de-CH"/>
@@ -2550,7 +2566,7 @@
           <a:lstStyle/>
           <a:p>
             <a:r>
-              <a:rPr lang="de-DE" smtClean="0"/>
+              <a:rPr lang="de-DE"/>
               <a:t>Titelmasterformat durch Klicken bearbeiten</a:t>
             </a:r>
             <a:endParaRPr lang="de-CH"/>
@@ -2762,7 +2778,7 @@
           </a:lstStyle>
           <a:p>
             <a:r>
-              <a:rPr lang="de-DE" smtClean="0"/>
+              <a:rPr lang="de-DE"/>
               <a:t>Titelmasterformat durch Klicken bearbeiten</a:t>
             </a:r>
             <a:endParaRPr lang="de-CH"/>
@@ -2819,35 +2835,35 @@
           <a:p>
             <a:pPr lvl="0"/>
             <a:r>
-              <a:rPr lang="de-DE" smtClean="0"/>
+              <a:rPr lang="de-DE"/>
               <a:t>Textmasterformate durch Klicken bearbeiten</a:t>
             </a:r>
           </a:p>
           <a:p>
             <a:pPr lvl="1"/>
             <a:r>
-              <a:rPr lang="de-DE" smtClean="0"/>
+              <a:rPr lang="de-DE"/>
               <a:t>Zweite Ebene</a:t>
             </a:r>
           </a:p>
           <a:p>
             <a:pPr lvl="2"/>
             <a:r>
-              <a:rPr lang="de-DE" smtClean="0"/>
+              <a:rPr lang="de-DE"/>
               <a:t>Dritte Ebene</a:t>
             </a:r>
           </a:p>
           <a:p>
             <a:pPr lvl="3"/>
             <a:r>
-              <a:rPr lang="de-DE" smtClean="0"/>
+              <a:rPr lang="de-DE"/>
               <a:t>Vierte Ebene</a:t>
             </a:r>
           </a:p>
           <a:p>
             <a:pPr lvl="4"/>
             <a:r>
-              <a:rPr lang="de-DE" smtClean="0"/>
+              <a:rPr lang="de-DE"/>
               <a:t>Fünfte Ebene</a:t>
             </a:r>
             <a:endParaRPr lang="de-CH"/>
@@ -2913,7 +2929,7 @@
           <a:p>
             <a:pPr lvl="0"/>
             <a:r>
-              <a:rPr lang="de-DE" smtClean="0"/>
+              <a:rPr lang="de-DE"/>
               <a:t>Textmasterformate durch Klicken bearbeiten</a:t>
             </a:r>
           </a:p>
@@ -3034,7 +3050,7 @@
           </a:lstStyle>
           <a:p>
             <a:r>
-              <a:rPr lang="de-DE" smtClean="0"/>
+              <a:rPr lang="de-DE"/>
               <a:t>Titelmasterformat durch Klicken bearbeiten</a:t>
             </a:r>
             <a:endParaRPr lang="de-CH"/>
@@ -3161,7 +3177,7 @@
           <a:p>
             <a:pPr lvl="0"/>
             <a:r>
-              <a:rPr lang="de-DE" smtClean="0"/>
+              <a:rPr lang="de-DE"/>
               <a:t>Textmasterformate durch Klicken bearbeiten</a:t>
             </a:r>
           </a:p>
@@ -3288,7 +3304,7 @@
           <a:lstStyle/>
           <a:p>
             <a:r>
-              <a:rPr lang="de-DE" smtClean="0"/>
+              <a:rPr lang="de-DE"/>
               <a:t>Titelmasterformat durch Klicken bearbeiten</a:t>
             </a:r>
             <a:endParaRPr lang="de-CH"/>
@@ -3322,35 +3338,35 @@
           <a:p>
             <a:pPr lvl="0"/>
             <a:r>
-              <a:rPr lang="de-DE" smtClean="0"/>
+              <a:rPr lang="de-DE"/>
               <a:t>Textmasterformate durch Klicken bearbeiten</a:t>
             </a:r>
           </a:p>
           <a:p>
             <a:pPr lvl="1"/>
             <a:r>
-              <a:rPr lang="de-DE" smtClean="0"/>
+              <a:rPr lang="de-DE"/>
               <a:t>Zweite Ebene</a:t>
             </a:r>
           </a:p>
           <a:p>
             <a:pPr lvl="2"/>
             <a:r>
-              <a:rPr lang="de-DE" smtClean="0"/>
+              <a:rPr lang="de-DE"/>
               <a:t>Dritte Ebene</a:t>
             </a:r>
           </a:p>
           <a:p>
             <a:pPr lvl="3"/>
             <a:r>
-              <a:rPr lang="de-DE" smtClean="0"/>
+              <a:rPr lang="de-DE"/>
               <a:t>Vierte Ebene</a:t>
             </a:r>
           </a:p>
           <a:p>
             <a:pPr lvl="4"/>
             <a:r>
-              <a:rPr lang="de-DE" smtClean="0"/>
+              <a:rPr lang="de-DE"/>
               <a:t>Fünfte Ebene</a:t>
             </a:r>
             <a:endParaRPr lang="de-CH"/>
@@ -3778,18 +3794,9 @@
           <a:lstStyle/>
           <a:p>
             <a:r>
-              <a:rPr lang="de-CH" dirty="0" err="1" smtClean="0"/>
-              <a:t>Some</a:t>
-            </a:r>
-            <a:r>
-              <a:rPr lang="de-CH" dirty="0" smtClean="0"/>
-              <a:t> </a:t>
-            </a:r>
-            <a:r>
-              <a:rPr lang="de-CH" dirty="0" err="1" smtClean="0"/>
-              <a:t>name</a:t>
-            </a:r>
-            <a:endParaRPr lang="de-CH" dirty="0"/>
+              <a:rPr lang="de-CH" dirty="0"/>
+              <a:t>Ball Pool</a:t>
+            </a:r>
           </a:p>
         </p:txBody>
       </p:sp>
@@ -3809,10 +3816,9 @@
           <a:lstStyle/>
           <a:p>
             <a:r>
-              <a:rPr lang="de-CH" dirty="0" smtClean="0"/>
+              <a:rPr lang="de-CH" dirty="0"/>
               <a:t>Julia Giger, Yannick Huber, Ueli Wechsler?</a:t>
             </a:r>
-            <a:endParaRPr lang="de-CH" dirty="0"/>
           </a:p>
         </p:txBody>
       </p:sp>
@@ -3908,45 +3914,40 @@
           <a:lstStyle/>
           <a:p>
             <a:r>
-              <a:rPr lang="de-CH" dirty="0" smtClean="0"/>
+              <a:rPr lang="de-CH" dirty="0"/>
               <a:t>Key Elements</a:t>
             </a:r>
+          </a:p>
+        </p:txBody>
+      </p:sp>
+      <p:sp>
+        <p:nvSpPr>
+          <p:cNvPr id="3" name="Inhaltsplatzhalter 2"/>
+          <p:cNvSpPr>
+            <a:spLocks noGrp="1"/>
+          </p:cNvSpPr>
+          <p:nvPr>
+            <p:ph idx="1"/>
+          </p:nvPr>
+        </p:nvSpPr>
+        <p:spPr/>
+        <p:txBody>
+          <a:bodyPr/>
+          <a:lstStyle/>
+          <a:p>
+            <a:r>
+              <a:rPr lang="de-CH" dirty="0"/>
+              <a:t>Rigid </a:t>
+            </a:r>
+            <a:r>
+              <a:rPr lang="de-CH" dirty="0" err="1"/>
+              <a:t>Bodies</a:t>
+            </a:r>
             <a:endParaRPr lang="de-CH" dirty="0"/>
           </a:p>
-        </p:txBody>
-      </p:sp>
-      <p:sp>
-        <p:nvSpPr>
-          <p:cNvPr id="3" name="Inhaltsplatzhalter 2"/>
-          <p:cNvSpPr>
-            <a:spLocks noGrp="1"/>
-          </p:cNvSpPr>
-          <p:nvPr>
-            <p:ph idx="1"/>
-          </p:nvPr>
-        </p:nvSpPr>
-        <p:spPr/>
-        <p:txBody>
-          <a:bodyPr/>
-          <a:lstStyle/>
-          <a:p>
-            <a:r>
-              <a:rPr lang="de-CH" dirty="0" err="1" smtClean="0"/>
-              <a:t>Ridig</a:t>
-            </a:r>
-            <a:r>
-              <a:rPr lang="de-CH" dirty="0" smtClean="0"/>
-              <a:t> </a:t>
-            </a:r>
-            <a:r>
-              <a:rPr lang="de-CH" dirty="0" err="1" smtClean="0"/>
-              <a:t>Bodies</a:t>
-            </a:r>
-            <a:endParaRPr lang="de-CH" dirty="0" smtClean="0"/>
-          </a:p>
-          <a:p>
-            <a:r>
-              <a:rPr lang="de-CH" dirty="0" err="1" smtClean="0"/>
+          <a:p>
+            <a:r>
+              <a:rPr lang="de-CH" dirty="0" err="1"/>
               <a:t>Stacking</a:t>
             </a:r>
             <a:endParaRPr lang="de-CH" dirty="0"/>
@@ -4026,10 +4027,9 @@
           <a:lstStyle/>
           <a:p>
             <a:r>
-              <a:rPr lang="de-CH" dirty="0" smtClean="0"/>
+              <a:rPr lang="de-CH" dirty="0"/>
               <a:t>Approach</a:t>
             </a:r>
-            <a:endParaRPr lang="de-CH" dirty="0"/>
           </a:p>
         </p:txBody>
       </p:sp>
@@ -4050,16 +4050,12 @@
           <a:p>
             <a:r>
               <a:rPr lang="en-US" dirty="0"/>
-              <a:t>Iterative Dynamics with </a:t>
-            </a:r>
-            <a:r>
-              <a:rPr lang="en-US" dirty="0" smtClean="0"/>
-              <a:t>Temporal Coherence</a:t>
-            </a:r>
-          </a:p>
-          <a:p>
-            <a:r>
-              <a:rPr lang="en-US" dirty="0" smtClean="0"/>
+              <a:t>Iterative Dynamics with Temporal Coherence</a:t>
+            </a:r>
+          </a:p>
+          <a:p>
+            <a:r>
+              <a:rPr lang="en-US" dirty="0"/>
               <a:t>Constraints for Physics</a:t>
             </a:r>
             <a:endParaRPr lang="de-CH" dirty="0"/>
@@ -4162,6 +4158,38 @@
           </a:ln>
         </p:spPr>
       </p:pic>
+      <p:pic>
+        <p:nvPicPr>
+          <p:cNvPr id="7" name="Picture 2"/>
+          <p:cNvPicPr>
+            <a:picLocks noChangeAspect="1" noChangeArrowheads="1"/>
+          </p:cNvPicPr>
+          <p:nvPr/>
+        </p:nvPicPr>
+        <p:blipFill>
+          <a:blip r:embed="rId3" cstate="print"/>
+          <a:srcRect l="14569" t="54518" r="18495" b="18586"/>
+          <a:stretch>
+            <a:fillRect/>
+          </a:stretch>
+        </p:blipFill>
+        <p:spPr bwMode="auto">
+          <a:xfrm>
+            <a:off x="1484040" y="3221360"/>
+            <a:ext cx="6192688" cy="1347820"/>
+          </a:xfrm>
+          <a:prstGeom prst="rect">
+            <a:avLst/>
+          </a:prstGeom>
+          <a:noFill/>
+          <a:ln w="9525">
+            <a:noFill/>
+            <a:miter lim="800000"/>
+            <a:headEnd/>
+            <a:tailEnd/>
+          </a:ln>
+        </p:spPr>
+      </p:pic>
     </p:spTree>
   </p:cSld>
   <p:clrMapOvr>
@@ -4203,15 +4231,15 @@
           <a:lstStyle/>
           <a:p>
             <a:r>
-              <a:rPr lang="de-CH" dirty="0" err="1" smtClean="0"/>
+              <a:rPr lang="de-CH" dirty="0" err="1"/>
               <a:t>Already</a:t>
             </a:r>
             <a:r>
-              <a:rPr lang="de-CH" dirty="0" smtClean="0"/>
+              <a:rPr lang="de-CH" dirty="0"/>
               <a:t> </a:t>
             </a:r>
             <a:r>
-              <a:rPr lang="de-CH" dirty="0" err="1" smtClean="0"/>
+              <a:rPr lang="de-CH" dirty="0" err="1"/>
               <a:t>done</a:t>
             </a:r>
             <a:endParaRPr lang="de-CH" dirty="0"/>
@@ -4234,30 +4262,30 @@
           <a:lstStyle/>
           <a:p>
             <a:r>
-              <a:rPr lang="de-CH" dirty="0" err="1" smtClean="0"/>
+              <a:rPr lang="de-CH" dirty="0" err="1"/>
               <a:t>Sphere-Sphere</a:t>
             </a:r>
             <a:r>
-              <a:rPr lang="de-CH" dirty="0" smtClean="0"/>
+              <a:rPr lang="de-CH" dirty="0"/>
               <a:t> </a:t>
             </a:r>
             <a:r>
-              <a:rPr lang="de-CH" dirty="0" err="1" smtClean="0"/>
+              <a:rPr lang="de-CH" dirty="0" err="1"/>
               <a:t>Collision</a:t>
             </a:r>
-            <a:endParaRPr lang="de-CH" dirty="0" smtClean="0"/>
-          </a:p>
-          <a:p>
-            <a:r>
-              <a:rPr lang="de-CH" dirty="0" err="1" smtClean="0"/>
+            <a:endParaRPr lang="de-CH" dirty="0"/>
+          </a:p>
+          <a:p>
+            <a:r>
+              <a:rPr lang="de-CH" dirty="0" err="1"/>
               <a:t>Sphere</a:t>
             </a:r>
             <a:r>
-              <a:rPr lang="de-CH" dirty="0" smtClean="0"/>
+              <a:rPr lang="de-CH" dirty="0"/>
               <a:t>-Box </a:t>
             </a:r>
             <a:r>
-              <a:rPr lang="de-CH" dirty="0" err="1" smtClean="0"/>
+              <a:rPr lang="de-CH" dirty="0" err="1"/>
               <a:t>Collision</a:t>
             </a:r>
             <a:endParaRPr lang="de-CH" dirty="0"/>
@@ -4305,50 +4333,48 @@
           <a:lstStyle/>
           <a:p>
             <a:r>
-              <a:rPr lang="de-CH" dirty="0" smtClean="0"/>
+              <a:rPr lang="de-CH" dirty="0"/>
               <a:t>TODO</a:t>
             </a:r>
+          </a:p>
+        </p:txBody>
+      </p:sp>
+      <p:sp>
+        <p:nvSpPr>
+          <p:cNvPr id="3" name="Inhaltsplatzhalter 2"/>
+          <p:cNvSpPr>
+            <a:spLocks noGrp="1"/>
+          </p:cNvSpPr>
+          <p:nvPr>
+            <p:ph idx="1"/>
+          </p:nvPr>
+        </p:nvSpPr>
+        <p:spPr/>
+        <p:txBody>
+          <a:bodyPr/>
+          <a:lstStyle/>
+          <a:p>
+            <a:r>
+              <a:rPr lang="de-CH" dirty="0"/>
+              <a:t>GRAPHICS</a:t>
+            </a:r>
+          </a:p>
+          <a:p>
+            <a:r>
+              <a:rPr lang="de-CH" dirty="0"/>
+              <a:t>Environment </a:t>
+            </a:r>
+            <a:r>
+              <a:rPr lang="de-CH" dirty="0" err="1"/>
+              <a:t>interaction</a:t>
+            </a:r>
             <a:endParaRPr lang="de-CH" dirty="0"/>
           </a:p>
-        </p:txBody>
-      </p:sp>
-      <p:sp>
-        <p:nvSpPr>
-          <p:cNvPr id="3" name="Inhaltsplatzhalter 2"/>
-          <p:cNvSpPr>
-            <a:spLocks noGrp="1"/>
-          </p:cNvSpPr>
-          <p:nvPr>
-            <p:ph idx="1"/>
-          </p:nvPr>
-        </p:nvSpPr>
-        <p:spPr/>
-        <p:txBody>
-          <a:bodyPr/>
-          <a:lstStyle/>
-          <a:p>
-            <a:r>
-              <a:rPr lang="de-CH" dirty="0" smtClean="0"/>
-              <a:t>GRAPHICS</a:t>
-            </a:r>
-          </a:p>
-          <a:p>
-            <a:r>
-              <a:rPr lang="de-CH" dirty="0" smtClean="0"/>
-              <a:t>Environment </a:t>
-            </a:r>
-            <a:r>
-              <a:rPr lang="de-CH" dirty="0" err="1" smtClean="0"/>
-              <a:t>interaction</a:t>
-            </a:r>
-            <a:endParaRPr lang="de-CH" dirty="0" smtClean="0"/>
-          </a:p>
-          <a:p>
-            <a:r>
-              <a:rPr lang="de-CH" smtClean="0"/>
+          <a:p>
+            <a:r>
+              <a:rPr lang="de-CH"/>
               <a:t>Friction</a:t>
             </a:r>
-            <a:endParaRPr lang="de-CH"/>
           </a:p>
         </p:txBody>
       </p:sp>
